--- a/Project/Presentation/Design.pptx
+++ b/Project/Presentation/Design.pptx
@@ -106,6 +106,11 @@
       </a:defRPr>
     </a:lvl9pPr>
   </p:defaultTextStyle>
+  <p:extLst>
+    <p:ext uri="{EFAFB233-063F-42B5-8137-9DF3F51BA10A}">
+      <p15:sldGuideLst xmlns:p15="http://schemas.microsoft.com/office/powerpoint/2012/main"/>
+    </p:ext>
+  </p:extLst>
 </p:presentation>
 </file>
 
@@ -240,7 +245,7 @@
           <a:p>
             <a:fld id="{A1DCFF95-1F9A-48DC-95F3-86645909027C}" type="datetimeFigureOut">
               <a:rPr lang="en-CA" smtClean="0"/>
-              <a:t>2018-04-16</a:t>
+              <a:t>2018-04-17</a:t>
             </a:fld>
             <a:endParaRPr lang="en-CA"/>
           </a:p>
@@ -410,7 +415,7 @@
           <a:p>
             <a:fld id="{A1DCFF95-1F9A-48DC-95F3-86645909027C}" type="datetimeFigureOut">
               <a:rPr lang="en-CA" smtClean="0"/>
-              <a:t>2018-04-16</a:t>
+              <a:t>2018-04-17</a:t>
             </a:fld>
             <a:endParaRPr lang="en-CA"/>
           </a:p>
@@ -590,7 +595,7 @@
           <a:p>
             <a:fld id="{A1DCFF95-1F9A-48DC-95F3-86645909027C}" type="datetimeFigureOut">
               <a:rPr lang="en-CA" smtClean="0"/>
-              <a:t>2018-04-16</a:t>
+              <a:t>2018-04-17</a:t>
             </a:fld>
             <a:endParaRPr lang="en-CA"/>
           </a:p>
@@ -760,7 +765,7 @@
           <a:p>
             <a:fld id="{A1DCFF95-1F9A-48DC-95F3-86645909027C}" type="datetimeFigureOut">
               <a:rPr lang="en-CA" smtClean="0"/>
-              <a:t>2018-04-16</a:t>
+              <a:t>2018-04-17</a:t>
             </a:fld>
             <a:endParaRPr lang="en-CA"/>
           </a:p>
@@ -1004,7 +1009,7 @@
           <a:p>
             <a:fld id="{A1DCFF95-1F9A-48DC-95F3-86645909027C}" type="datetimeFigureOut">
               <a:rPr lang="en-CA" smtClean="0"/>
-              <a:t>2018-04-16</a:t>
+              <a:t>2018-04-17</a:t>
             </a:fld>
             <a:endParaRPr lang="en-CA"/>
           </a:p>
@@ -1236,7 +1241,7 @@
           <a:p>
             <a:fld id="{A1DCFF95-1F9A-48DC-95F3-86645909027C}" type="datetimeFigureOut">
               <a:rPr lang="en-CA" smtClean="0"/>
-              <a:t>2018-04-16</a:t>
+              <a:t>2018-04-17</a:t>
             </a:fld>
             <a:endParaRPr lang="en-CA"/>
           </a:p>
@@ -1603,7 +1608,7 @@
           <a:p>
             <a:fld id="{A1DCFF95-1F9A-48DC-95F3-86645909027C}" type="datetimeFigureOut">
               <a:rPr lang="en-CA" smtClean="0"/>
-              <a:t>2018-04-16</a:t>
+              <a:t>2018-04-17</a:t>
             </a:fld>
             <a:endParaRPr lang="en-CA"/>
           </a:p>
@@ -1721,7 +1726,7 @@
           <a:p>
             <a:fld id="{A1DCFF95-1F9A-48DC-95F3-86645909027C}" type="datetimeFigureOut">
               <a:rPr lang="en-CA" smtClean="0"/>
-              <a:t>2018-04-16</a:t>
+              <a:t>2018-04-17</a:t>
             </a:fld>
             <a:endParaRPr lang="en-CA"/>
           </a:p>
@@ -1816,7 +1821,7 @@
           <a:p>
             <a:fld id="{A1DCFF95-1F9A-48DC-95F3-86645909027C}" type="datetimeFigureOut">
               <a:rPr lang="en-CA" smtClean="0"/>
-              <a:t>2018-04-16</a:t>
+              <a:t>2018-04-17</a:t>
             </a:fld>
             <a:endParaRPr lang="en-CA"/>
           </a:p>
@@ -2093,7 +2098,7 @@
           <a:p>
             <a:fld id="{A1DCFF95-1F9A-48DC-95F3-86645909027C}" type="datetimeFigureOut">
               <a:rPr lang="en-CA" smtClean="0"/>
-              <a:t>2018-04-16</a:t>
+              <a:t>2018-04-17</a:t>
             </a:fld>
             <a:endParaRPr lang="en-CA"/>
           </a:p>
@@ -2350,7 +2355,7 @@
           <a:p>
             <a:fld id="{A1DCFF95-1F9A-48DC-95F3-86645909027C}" type="datetimeFigureOut">
               <a:rPr lang="en-CA" smtClean="0"/>
-              <a:t>2018-04-16</a:t>
+              <a:t>2018-04-17</a:t>
             </a:fld>
             <a:endParaRPr lang="en-CA"/>
           </a:p>
@@ -2563,7 +2568,7 @@
           <a:p>
             <a:fld id="{A1DCFF95-1F9A-48DC-95F3-86645909027C}" type="datetimeFigureOut">
               <a:rPr lang="en-CA" smtClean="0"/>
-              <a:t>2018-04-16</a:t>
+              <a:t>2018-04-17</a:t>
             </a:fld>
             <a:endParaRPr lang="en-CA"/>
           </a:p>
@@ -4805,8 +4810,25 @@
           <a:p>
             <a:r>
               <a:rPr lang="en-CA" dirty="0"/>
-              <a:t>Click Category1 -&gt;Click Category2/Add Product</a:t>
-            </a:r>
+              <a:t>Click Category1 -&gt;Click Category2/Add </a:t>
+            </a:r>
+            <a:r>
+              <a:rPr lang="en-CA" dirty="0" smtClean="0"/>
+              <a:t>Product</a:t>
+            </a:r>
+          </a:p>
+          <a:p>
+            <a:endParaRPr lang="en-CA" dirty="0"/>
+          </a:p>
+          <a:p>
+            <a:endParaRPr lang="en-CA" dirty="0" smtClean="0"/>
+          </a:p>
+          <a:p>
+            <a:r>
+              <a:rPr lang="en-CA" dirty="0" err="1" smtClean="0"/>
+              <a:t>vege</a:t>
+            </a:r>
+            <a:endParaRPr lang="en-CA" dirty="0"/>
           </a:p>
           <a:p>
             <a:pPr marL="2057400" lvl="6" indent="0">
